--- a/DL- DA2.pptx
+++ b/DL- DA2.pptx
@@ -26,23 +26,26 @@
     <p:sldId id="271" r:id="rId21"/>
     <p:sldId id="272" r:id="rId22"/>
     <p:sldId id="273" r:id="rId23"/>
+    <p:sldId id="274" r:id="rId24"/>
+    <p:sldId id="275" r:id="rId25"/>
+    <p:sldId id="276" r:id="rId26"/>
   </p:sldIdLst>
   <p:sldSz cy="5143500" cx="9144000"/>
   <p:notesSz cx="6858000" cy="9144000"/>
   <p:embeddedFontLst>
     <p:embeddedFont>
       <p:font typeface="Proxima Nova"/>
-      <p:regular r:id="rId24"/>
-      <p:bold r:id="rId25"/>
-      <p:italic r:id="rId26"/>
-      <p:boldItalic r:id="rId27"/>
+      <p:regular r:id="rId27"/>
+      <p:bold r:id="rId28"/>
+      <p:italic r:id="rId29"/>
+      <p:boldItalic r:id="rId30"/>
     </p:embeddedFont>
     <p:embeddedFont>
       <p:font typeface="Roboto"/>
-      <p:regular r:id="rId28"/>
-      <p:bold r:id="rId29"/>
-      <p:italic r:id="rId30"/>
-      <p:boldItalic r:id="rId31"/>
+      <p:regular r:id="rId31"/>
+      <p:bold r:id="rId32"/>
+      <p:italic r:id="rId33"/>
+      <p:boldItalic r:id="rId34"/>
     </p:embeddedFont>
   </p:embeddedFontLst>
   <p:defaultTextStyle>
@@ -1332,7 +1335,7 @@
       </p:grpSpPr>
       <p:sp>
         <p:nvSpPr>
-          <p:cNvPr id="184" name="Google Shape;184;g22d404bea53_0_71:notes"/>
+          <p:cNvPr id="184" name="Google Shape;184;g22d891a2fa4_1_3:notes"/>
           <p:cNvSpPr/>
           <p:nvPr>
             <p:ph idx="2" type="sldImg"/>
@@ -1367,7 +1370,7 @@
       </p:sp>
       <p:sp>
         <p:nvSpPr>
-          <p:cNvPr id="185" name="Google Shape;185;g22d404bea53_0_71:notes"/>
+          <p:cNvPr id="185" name="Google Shape;185;g22d891a2fa4_1_3:notes"/>
           <p:cNvSpPr txBox="1"/>
           <p:nvPr>
             <p:ph idx="1" type="body"/>
@@ -1417,7 +1420,7 @@
   <p:cSld>
     <p:spTree>
       <p:nvGrpSpPr>
-        <p:cNvPr id="190" name="Shape 190"/>
+        <p:cNvPr id="189" name="Shape 189"/>
         <p:cNvGrpSpPr/>
         <p:nvPr/>
       </p:nvGrpSpPr>
@@ -1431,7 +1434,7 @@
       </p:grpSpPr>
       <p:sp>
         <p:nvSpPr>
-          <p:cNvPr id="191" name="Google Shape;191;g22d404bea53_0_65:notes"/>
+          <p:cNvPr id="190" name="Google Shape;190;g22d891a2fa4_1_9:notes"/>
           <p:cNvSpPr/>
           <p:nvPr>
             <p:ph idx="2" type="sldImg"/>
@@ -1466,7 +1469,7 @@
       </p:sp>
       <p:sp>
         <p:nvSpPr>
-          <p:cNvPr id="192" name="Google Shape;192;g22d404bea53_0_65:notes"/>
+          <p:cNvPr id="191" name="Google Shape;191;g22d891a2fa4_1_9:notes"/>
           <p:cNvSpPr txBox="1"/>
           <p:nvPr>
             <p:ph idx="1" type="body"/>
@@ -1516,7 +1519,7 @@
   <p:cSld>
     <p:spTree>
       <p:nvGrpSpPr>
-        <p:cNvPr id="196" name="Shape 196"/>
+        <p:cNvPr id="195" name="Shape 195"/>
         <p:cNvGrpSpPr/>
         <p:nvPr/>
       </p:nvGrpSpPr>
@@ -1530,7 +1533,7 @@
       </p:grpSpPr>
       <p:sp>
         <p:nvSpPr>
-          <p:cNvPr id="197" name="Google Shape;197;g22d7dea5024_0_669:notes"/>
+          <p:cNvPr id="196" name="Google Shape;196;g22d891a2fa4_1_19:notes"/>
           <p:cNvSpPr/>
           <p:nvPr>
             <p:ph idx="2" type="sldImg"/>
@@ -1565,7 +1568,7 @@
       </p:sp>
       <p:sp>
         <p:nvSpPr>
-          <p:cNvPr id="198" name="Google Shape;198;g22d7dea5024_0_669:notes"/>
+          <p:cNvPr id="197" name="Google Shape;197;g22d891a2fa4_1_19:notes"/>
           <p:cNvSpPr txBox="1"/>
           <p:nvPr>
             <p:ph idx="1" type="body"/>
@@ -1615,7 +1618,7 @@
   <p:cSld>
     <p:spTree>
       <p:nvGrpSpPr>
-        <p:cNvPr id="202" name="Shape 202"/>
+        <p:cNvPr id="201" name="Shape 201"/>
         <p:cNvGrpSpPr/>
         <p:nvPr/>
       </p:nvGrpSpPr>
@@ -1629,7 +1632,7 @@
       </p:grpSpPr>
       <p:sp>
         <p:nvSpPr>
-          <p:cNvPr id="203" name="Google Shape;203;g22d7dea5024_0_679:notes"/>
+          <p:cNvPr id="202" name="Google Shape;202;g22d404bea53_0_71:notes"/>
           <p:cNvSpPr/>
           <p:nvPr>
             <p:ph idx="2" type="sldImg"/>
@@ -1664,7 +1667,106 @@
       </p:sp>
       <p:sp>
         <p:nvSpPr>
-          <p:cNvPr id="204" name="Google Shape;204;g22d7dea5024_0_679:notes"/>
+          <p:cNvPr id="203" name="Google Shape;203;g22d404bea53_0_71:notes"/>
+          <p:cNvSpPr txBox="1"/>
+          <p:nvPr>
+            <p:ph idx="1" type="body"/>
+          </p:nvPr>
+        </p:nvSpPr>
+        <p:spPr>
+          <a:xfrm>
+            <a:off x="685800" y="4343400"/>
+            <a:ext cx="5486400" cy="4114800"/>
+          </a:xfrm>
+          <a:prstGeom prst="rect">
+            <a:avLst/>
+          </a:prstGeom>
+        </p:spPr>
+        <p:txBody>
+          <a:bodyPr anchorCtr="0" anchor="t" bIns="91425" lIns="91425" spcFirstLastPara="1" rIns="91425" wrap="square" tIns="91425">
+            <a:noAutofit/>
+          </a:bodyPr>
+          <a:lstStyle/>
+          <a:p>
+            <a:pPr indent="0" lvl="0" marL="0" rtl="0" algn="l">
+              <a:spcBef>
+                <a:spcPts val="0"/>
+              </a:spcBef>
+              <a:spcAft>
+                <a:spcPts val="0"/>
+              </a:spcAft>
+              <a:buNone/>
+            </a:pPr>
+            <a:r>
+              <a:t/>
+            </a:r>
+            <a:endParaRPr/>
+          </a:p>
+        </p:txBody>
+      </p:sp>
+    </p:spTree>
+  </p:cSld>
+  <p:clrMapOvr>
+    <a:masterClrMapping/>
+  </p:clrMapOvr>
+</p:notes>
+</file>
+
+<file path=ppt/notesSlides/notesSlide19.xml><?xml version="1.0" encoding="utf-8"?>
+<p:notes xmlns:a="http://schemas.openxmlformats.org/drawingml/2006/main" xmlns:r="http://schemas.openxmlformats.org/officeDocument/2006/relationships" xmlns:mc="http://schemas.openxmlformats.org/markup-compatibility/2006" xmlns:mv="urn:schemas-microsoft-com:mac:vml" xmlns:p="http://schemas.openxmlformats.org/presentationml/2006/main" xmlns:c="http://schemas.openxmlformats.org/drawingml/2006/chart" xmlns:dgm="http://schemas.openxmlformats.org/drawingml/2006/diagram" xmlns:o="urn:schemas-microsoft-com:office:office" xmlns:v="urn:schemas-microsoft-com:vml" xmlns:pvml="urn:schemas-microsoft-com:office:powerpoint" xmlns:com="http://schemas.openxmlformats.org/drawingml/2006/compatibility" xmlns:p14="http://schemas.microsoft.com/office/powerpoint/2010/main" xmlns:p15="http://schemas.microsoft.com/office/powerpoint/2012/main" xmlns:ahyp="http://schemas.microsoft.com/office/drawing/2018/hyperlinkcolor" showMasterPhAnim="0" showMasterSp="0">
+  <p:cSld>
+    <p:spTree>
+      <p:nvGrpSpPr>
+        <p:cNvPr id="208" name="Shape 208"/>
+        <p:cNvGrpSpPr/>
+        <p:nvPr/>
+      </p:nvGrpSpPr>
+      <p:grpSpPr>
+        <a:xfrm>
+          <a:off x="0" y="0"/>
+          <a:ext cx="0" cy="0"/>
+          <a:chOff x="0" y="0"/>
+          <a:chExt cx="0" cy="0"/>
+        </a:xfrm>
+      </p:grpSpPr>
+      <p:sp>
+        <p:nvSpPr>
+          <p:cNvPr id="209" name="Google Shape;209;g22d404bea53_0_65:notes"/>
+          <p:cNvSpPr/>
+          <p:nvPr>
+            <p:ph idx="2" type="sldImg"/>
+          </p:nvPr>
+        </p:nvSpPr>
+        <p:spPr>
+          <a:xfrm>
+            <a:off x="381300" y="685800"/>
+            <a:ext cx="6096000" cy="3429000"/>
+          </a:xfrm>
+          <a:custGeom>
+            <a:rect b="b" l="l" r="r" t="t"/>
+            <a:pathLst>
+              <a:path extrusionOk="0" h="120000" w="120000">
+                <a:moveTo>
+                  <a:pt x="0" y="0"/>
+                </a:moveTo>
+                <a:lnTo>
+                  <a:pt x="120000" y="0"/>
+                </a:lnTo>
+                <a:lnTo>
+                  <a:pt x="120000" y="120000"/>
+                </a:lnTo>
+                <a:lnTo>
+                  <a:pt x="0" y="120000"/>
+                </a:lnTo>
+                <a:close/>
+              </a:path>
+            </a:pathLst>
+          </a:custGeom>
+        </p:spPr>
+      </p:sp>
+      <p:sp>
+        <p:nvSpPr>
+          <p:cNvPr id="210" name="Google Shape;210;g22d404bea53_0_65:notes"/>
           <p:cNvSpPr txBox="1"/>
           <p:nvPr>
             <p:ph idx="1" type="body"/>
@@ -1764,6 +1866,204 @@
       <p:sp>
         <p:nvSpPr>
           <p:cNvPr id="63" name="Google Shape;63;g22d404bea53_0_50:notes"/>
+          <p:cNvSpPr txBox="1"/>
+          <p:nvPr>
+            <p:ph idx="1" type="body"/>
+          </p:nvPr>
+        </p:nvSpPr>
+        <p:spPr>
+          <a:xfrm>
+            <a:off x="685800" y="4343400"/>
+            <a:ext cx="5486400" cy="4114800"/>
+          </a:xfrm>
+          <a:prstGeom prst="rect">
+            <a:avLst/>
+          </a:prstGeom>
+        </p:spPr>
+        <p:txBody>
+          <a:bodyPr anchorCtr="0" anchor="t" bIns="91425" lIns="91425" spcFirstLastPara="1" rIns="91425" wrap="square" tIns="91425">
+            <a:noAutofit/>
+          </a:bodyPr>
+          <a:lstStyle/>
+          <a:p>
+            <a:pPr indent="0" lvl="0" marL="0" rtl="0" algn="l">
+              <a:spcBef>
+                <a:spcPts val="0"/>
+              </a:spcBef>
+              <a:spcAft>
+                <a:spcPts val="0"/>
+              </a:spcAft>
+              <a:buNone/>
+            </a:pPr>
+            <a:r>
+              <a:t/>
+            </a:r>
+            <a:endParaRPr/>
+          </a:p>
+        </p:txBody>
+      </p:sp>
+    </p:spTree>
+  </p:cSld>
+  <p:clrMapOvr>
+    <a:masterClrMapping/>
+  </p:clrMapOvr>
+</p:notes>
+</file>
+
+<file path=ppt/notesSlides/notesSlide20.xml><?xml version="1.0" encoding="utf-8"?>
+<p:notes xmlns:a="http://schemas.openxmlformats.org/drawingml/2006/main" xmlns:r="http://schemas.openxmlformats.org/officeDocument/2006/relationships" xmlns:mc="http://schemas.openxmlformats.org/markup-compatibility/2006" xmlns:mv="urn:schemas-microsoft-com:mac:vml" xmlns:p="http://schemas.openxmlformats.org/presentationml/2006/main" xmlns:c="http://schemas.openxmlformats.org/drawingml/2006/chart" xmlns:dgm="http://schemas.openxmlformats.org/drawingml/2006/diagram" xmlns:o="urn:schemas-microsoft-com:office:office" xmlns:v="urn:schemas-microsoft-com:vml" xmlns:pvml="urn:schemas-microsoft-com:office:powerpoint" xmlns:com="http://schemas.openxmlformats.org/drawingml/2006/compatibility" xmlns:p14="http://schemas.microsoft.com/office/powerpoint/2010/main" xmlns:p15="http://schemas.microsoft.com/office/powerpoint/2012/main" xmlns:ahyp="http://schemas.microsoft.com/office/drawing/2018/hyperlinkcolor" showMasterPhAnim="0" showMasterSp="0">
+  <p:cSld>
+    <p:spTree>
+      <p:nvGrpSpPr>
+        <p:cNvPr id="214" name="Shape 214"/>
+        <p:cNvGrpSpPr/>
+        <p:nvPr/>
+      </p:nvGrpSpPr>
+      <p:grpSpPr>
+        <a:xfrm>
+          <a:off x="0" y="0"/>
+          <a:ext cx="0" cy="0"/>
+          <a:chOff x="0" y="0"/>
+          <a:chExt cx="0" cy="0"/>
+        </a:xfrm>
+      </p:grpSpPr>
+      <p:sp>
+        <p:nvSpPr>
+          <p:cNvPr id="215" name="Google Shape;215;g22d7dea5024_0_669:notes"/>
+          <p:cNvSpPr/>
+          <p:nvPr>
+            <p:ph idx="2" type="sldImg"/>
+          </p:nvPr>
+        </p:nvSpPr>
+        <p:spPr>
+          <a:xfrm>
+            <a:off x="381300" y="685800"/>
+            <a:ext cx="6096000" cy="3429000"/>
+          </a:xfrm>
+          <a:custGeom>
+            <a:rect b="b" l="l" r="r" t="t"/>
+            <a:pathLst>
+              <a:path extrusionOk="0" h="120000" w="120000">
+                <a:moveTo>
+                  <a:pt x="0" y="0"/>
+                </a:moveTo>
+                <a:lnTo>
+                  <a:pt x="120000" y="0"/>
+                </a:lnTo>
+                <a:lnTo>
+                  <a:pt x="120000" y="120000"/>
+                </a:lnTo>
+                <a:lnTo>
+                  <a:pt x="0" y="120000"/>
+                </a:lnTo>
+                <a:close/>
+              </a:path>
+            </a:pathLst>
+          </a:custGeom>
+        </p:spPr>
+      </p:sp>
+      <p:sp>
+        <p:nvSpPr>
+          <p:cNvPr id="216" name="Google Shape;216;g22d7dea5024_0_669:notes"/>
+          <p:cNvSpPr txBox="1"/>
+          <p:nvPr>
+            <p:ph idx="1" type="body"/>
+          </p:nvPr>
+        </p:nvSpPr>
+        <p:spPr>
+          <a:xfrm>
+            <a:off x="685800" y="4343400"/>
+            <a:ext cx="5486400" cy="4114800"/>
+          </a:xfrm>
+          <a:prstGeom prst="rect">
+            <a:avLst/>
+          </a:prstGeom>
+        </p:spPr>
+        <p:txBody>
+          <a:bodyPr anchorCtr="0" anchor="t" bIns="91425" lIns="91425" spcFirstLastPara="1" rIns="91425" wrap="square" tIns="91425">
+            <a:noAutofit/>
+          </a:bodyPr>
+          <a:lstStyle/>
+          <a:p>
+            <a:pPr indent="0" lvl="0" marL="0" rtl="0" algn="l">
+              <a:spcBef>
+                <a:spcPts val="0"/>
+              </a:spcBef>
+              <a:spcAft>
+                <a:spcPts val="0"/>
+              </a:spcAft>
+              <a:buNone/>
+            </a:pPr>
+            <a:r>
+              <a:t/>
+            </a:r>
+            <a:endParaRPr/>
+          </a:p>
+        </p:txBody>
+      </p:sp>
+    </p:spTree>
+  </p:cSld>
+  <p:clrMapOvr>
+    <a:masterClrMapping/>
+  </p:clrMapOvr>
+</p:notes>
+</file>
+
+<file path=ppt/notesSlides/notesSlide21.xml><?xml version="1.0" encoding="utf-8"?>
+<p:notes xmlns:a="http://schemas.openxmlformats.org/drawingml/2006/main" xmlns:r="http://schemas.openxmlformats.org/officeDocument/2006/relationships" xmlns:mc="http://schemas.openxmlformats.org/markup-compatibility/2006" xmlns:mv="urn:schemas-microsoft-com:mac:vml" xmlns:p="http://schemas.openxmlformats.org/presentationml/2006/main" xmlns:c="http://schemas.openxmlformats.org/drawingml/2006/chart" xmlns:dgm="http://schemas.openxmlformats.org/drawingml/2006/diagram" xmlns:o="urn:schemas-microsoft-com:office:office" xmlns:v="urn:schemas-microsoft-com:vml" xmlns:pvml="urn:schemas-microsoft-com:office:powerpoint" xmlns:com="http://schemas.openxmlformats.org/drawingml/2006/compatibility" xmlns:p14="http://schemas.microsoft.com/office/powerpoint/2010/main" xmlns:p15="http://schemas.microsoft.com/office/powerpoint/2012/main" xmlns:ahyp="http://schemas.microsoft.com/office/drawing/2018/hyperlinkcolor" showMasterPhAnim="0" showMasterSp="0">
+  <p:cSld>
+    <p:spTree>
+      <p:nvGrpSpPr>
+        <p:cNvPr id="220" name="Shape 220"/>
+        <p:cNvGrpSpPr/>
+        <p:nvPr/>
+      </p:nvGrpSpPr>
+      <p:grpSpPr>
+        <a:xfrm>
+          <a:off x="0" y="0"/>
+          <a:ext cx="0" cy="0"/>
+          <a:chOff x="0" y="0"/>
+          <a:chExt cx="0" cy="0"/>
+        </a:xfrm>
+      </p:grpSpPr>
+      <p:sp>
+        <p:nvSpPr>
+          <p:cNvPr id="221" name="Google Shape;221;g22d7dea5024_0_679:notes"/>
+          <p:cNvSpPr/>
+          <p:nvPr>
+            <p:ph idx="2" type="sldImg"/>
+          </p:nvPr>
+        </p:nvSpPr>
+        <p:spPr>
+          <a:xfrm>
+            <a:off x="381300" y="685800"/>
+            <a:ext cx="6096000" cy="3429000"/>
+          </a:xfrm>
+          <a:custGeom>
+            <a:rect b="b" l="l" r="r" t="t"/>
+            <a:pathLst>
+              <a:path extrusionOk="0" h="120000" w="120000">
+                <a:moveTo>
+                  <a:pt x="0" y="0"/>
+                </a:moveTo>
+                <a:lnTo>
+                  <a:pt x="120000" y="0"/>
+                </a:lnTo>
+                <a:lnTo>
+                  <a:pt x="120000" y="120000"/>
+                </a:lnTo>
+                <a:lnTo>
+                  <a:pt x="0" y="120000"/>
+                </a:lnTo>
+                <a:close/>
+              </a:path>
+            </a:pathLst>
+          </a:custGeom>
+        </p:spPr>
+      </p:sp>
+      <p:sp>
+        <p:nvSpPr>
+          <p:cNvPr id="222" name="Google Shape;222;g22d7dea5024_0_679:notes"/>
           <p:cNvSpPr txBox="1"/>
           <p:nvPr>
             <p:ph idx="1" type="body"/>
@@ -10565,12 +10865,29 @@
                 <a:spcPts val="0"/>
               </a:spcBef>
               <a:spcAft>
+                <a:spcPts val="0"/>
+              </a:spcAft>
+              <a:buNone/>
+            </a:pPr>
+            <a:r>
+              <a:rPr lang="en"/>
+              <a:t>EfficientNet V2 is an advanced neural network that improves on the original EfficientNet by achieving higher accuracy with fewer parameters and FLOPS ( (floating-point operations per second). It uses advanced techniques for better performance on computer vision tasks.</a:t>
+            </a:r>
+            <a:endParaRPr/>
+          </a:p>
+          <a:p>
+            <a:pPr indent="0" lvl="0" marL="0" rtl="0" algn="l">
+              <a:spcBef>
                 <a:spcPts val="1200"/>
-              </a:spcAft>
-              <a:buNone/>
-            </a:pPr>
-            <a:r>
-              <a:t/>
+              </a:spcBef>
+              <a:spcAft>
+                <a:spcPts val="1200"/>
+              </a:spcAft>
+              <a:buNone/>
+            </a:pPr>
+            <a:r>
+              <a:rPr lang="en"/>
+              <a:t>It uses a compound scaling technique to optimize the model's depth, width, and resolution simultaneously. It consists of a stack of convolutional layers, followed by batch normalization and activation functions.</a:t>
             </a:r>
             <a:endParaRPr/>
           </a:p>
@@ -10635,7 +10952,100 @@
             </a:pPr>
             <a:r>
               <a:rPr lang="en"/>
-              <a:t>Code / Implementation</a:t>
+              <a:t>Architecture of the model</a:t>
+            </a:r>
+            <a:endParaRPr/>
+          </a:p>
+        </p:txBody>
+      </p:sp>
+      <p:pic>
+        <p:nvPicPr>
+          <p:cNvPr id="188" name="Google Shape;188;p27"/>
+          <p:cNvPicPr preferRelativeResize="0"/>
+          <p:nvPr/>
+        </p:nvPicPr>
+        <p:blipFill>
+          <a:blip r:embed="rId3">
+            <a:alphaModFix/>
+          </a:blip>
+          <a:stretch>
+            <a:fillRect/>
+          </a:stretch>
+        </p:blipFill>
+        <p:spPr>
+          <a:xfrm>
+            <a:off x="1081075" y="1104900"/>
+            <a:ext cx="6981825" cy="2933700"/>
+          </a:xfrm>
+          <a:prstGeom prst="rect">
+            <a:avLst/>
+          </a:prstGeom>
+          <a:noFill/>
+          <a:ln>
+            <a:noFill/>
+          </a:ln>
+        </p:spPr>
+      </p:pic>
+    </p:spTree>
+  </p:cSld>
+  <p:clrMapOvr>
+    <a:masterClrMapping/>
+  </p:clrMapOvr>
+</p:sld>
+</file>
+
+<file path=ppt/slides/slide16.xml><?xml version="1.0" encoding="utf-8"?>
+<p:sld xmlns:a="http://schemas.openxmlformats.org/drawingml/2006/main" xmlns:r="http://schemas.openxmlformats.org/officeDocument/2006/relationships" xmlns:mc="http://schemas.openxmlformats.org/markup-compatibility/2006" xmlns:mv="urn:schemas-microsoft-com:mac:vml" xmlns:p="http://schemas.openxmlformats.org/presentationml/2006/main" xmlns:c="http://schemas.openxmlformats.org/drawingml/2006/chart" xmlns:dgm="http://schemas.openxmlformats.org/drawingml/2006/diagram" xmlns:o="urn:schemas-microsoft-com:office:office" xmlns:v="urn:schemas-microsoft-com:vml" xmlns:pvml="urn:schemas-microsoft-com:office:powerpoint" xmlns:com="http://schemas.openxmlformats.org/drawingml/2006/compatibility" xmlns:p14="http://schemas.microsoft.com/office/powerpoint/2010/main" xmlns:p15="http://schemas.microsoft.com/office/powerpoint/2012/main" xmlns:ahyp="http://schemas.microsoft.com/office/drawing/2018/hyperlinkcolor">
+  <p:cSld>
+    <p:spTree>
+      <p:nvGrpSpPr>
+        <p:cNvPr id="192" name="Shape 192"/>
+        <p:cNvGrpSpPr/>
+        <p:nvPr/>
+      </p:nvGrpSpPr>
+      <p:grpSpPr>
+        <a:xfrm>
+          <a:off x="0" y="0"/>
+          <a:ext cx="0" cy="0"/>
+          <a:chOff x="0" y="0"/>
+          <a:chExt cx="0" cy="0"/>
+        </a:xfrm>
+      </p:grpSpPr>
+      <p:sp>
+        <p:nvSpPr>
+          <p:cNvPr id="193" name="Google Shape;193;p28"/>
+          <p:cNvSpPr txBox="1"/>
+          <p:nvPr>
+            <p:ph type="title"/>
+          </p:nvPr>
+        </p:nvSpPr>
+        <p:spPr>
+          <a:xfrm>
+            <a:off x="311700" y="445025"/>
+            <a:ext cx="8520600" cy="572700"/>
+          </a:xfrm>
+          <a:prstGeom prst="rect">
+            <a:avLst/>
+          </a:prstGeom>
+        </p:spPr>
+        <p:txBody>
+          <a:bodyPr anchorCtr="0" anchor="t" bIns="91425" lIns="91425" spcFirstLastPara="1" rIns="91425" wrap="square" tIns="91425">
+            <a:normAutofit fontScale="90000"/>
+          </a:bodyPr>
+          <a:lstStyle/>
+          <a:p>
+            <a:pPr indent="0" lvl="0" marL="0" rtl="0" algn="l">
+              <a:spcBef>
+                <a:spcPts val="0"/>
+              </a:spcBef>
+              <a:spcAft>
+                <a:spcPts val="0"/>
+              </a:spcAft>
+              <a:buNone/>
+            </a:pPr>
+            <a:r>
+              <a:rPr lang="en"/>
+              <a:t>Features that make this model special</a:t>
             </a:r>
             <a:endParaRPr/>
           </a:p>
@@ -10643,7 +11053,248 @@
       </p:sp>
       <p:sp>
         <p:nvSpPr>
-          <p:cNvPr id="188" name="Google Shape;188;p27"/>
+          <p:cNvPr id="194" name="Google Shape;194;p28"/>
+          <p:cNvSpPr txBox="1"/>
+          <p:nvPr>
+            <p:ph idx="1" type="body"/>
+          </p:nvPr>
+        </p:nvSpPr>
+        <p:spPr>
+          <a:xfrm>
+            <a:off x="311700" y="1152475"/>
+            <a:ext cx="8520600" cy="3416400"/>
+          </a:xfrm>
+          <a:prstGeom prst="rect">
+            <a:avLst/>
+          </a:prstGeom>
+        </p:spPr>
+        <p:txBody>
+          <a:bodyPr anchorCtr="0" anchor="t" bIns="91425" lIns="91425" spcFirstLastPara="1" rIns="91425" wrap="square" tIns="91425">
+            <a:normAutofit lnSpcReduction="20000"/>
+          </a:bodyPr>
+          <a:lstStyle/>
+          <a:p>
+            <a:pPr indent="0" lvl="0" marL="0" rtl="0" algn="l">
+              <a:spcBef>
+                <a:spcPts val="0"/>
+              </a:spcBef>
+              <a:spcAft>
+                <a:spcPts val="0"/>
+              </a:spcAft>
+              <a:buNone/>
+            </a:pPr>
+            <a:r>
+              <a:rPr b="1" lang="en"/>
+              <a:t>MBConv</a:t>
+            </a:r>
+            <a:r>
+              <a:rPr lang="en"/>
+              <a:t> (Mobile Inverted Bottleneck Convolution) block is a key building block used in EfficientNet V2 that balances the trade-off between model accuracy and computational efficiency. It consists of a depthwise separable convolution followed by a linear bottleneck and a shortcut connection. The depthwise separable convolution reduces the number of parameters and computation cost, while the linear bottleneck expands the dimensionality of the features and increases the representational power.</a:t>
+            </a:r>
+            <a:endParaRPr/>
+          </a:p>
+          <a:p>
+            <a:pPr indent="0" lvl="0" marL="0" rtl="0" algn="l">
+              <a:spcBef>
+                <a:spcPts val="1200"/>
+              </a:spcBef>
+              <a:spcAft>
+                <a:spcPts val="0"/>
+              </a:spcAft>
+              <a:buNone/>
+            </a:pPr>
+            <a:r>
+              <a:rPr lang="en"/>
+              <a:t>A </a:t>
+            </a:r>
+            <a:r>
+              <a:rPr b="1" lang="en"/>
+              <a:t>fused MBConv</a:t>
+            </a:r>
+            <a:r>
+              <a:rPr lang="en"/>
+              <a:t> block is a modified version of the Mobile Inverted Bottleneck (MBConv) block used in EfficientNet V2 that combines multiple operations into a single convolutional layer. </a:t>
+            </a:r>
+            <a:endParaRPr/>
+          </a:p>
+          <a:p>
+            <a:pPr indent="0" lvl="0" marL="0" rtl="0" algn="l">
+              <a:spcBef>
+                <a:spcPts val="1200"/>
+              </a:spcBef>
+              <a:spcAft>
+                <a:spcPts val="1200"/>
+              </a:spcAft>
+              <a:buNone/>
+            </a:pPr>
+            <a:r>
+              <a:t/>
+            </a:r>
+            <a:endParaRPr/>
+          </a:p>
+        </p:txBody>
+      </p:sp>
+    </p:spTree>
+  </p:cSld>
+  <p:clrMapOvr>
+    <a:masterClrMapping/>
+  </p:clrMapOvr>
+</p:sld>
+</file>
+
+<file path=ppt/slides/slide17.xml><?xml version="1.0" encoding="utf-8"?>
+<p:sld xmlns:a="http://schemas.openxmlformats.org/drawingml/2006/main" xmlns:r="http://schemas.openxmlformats.org/officeDocument/2006/relationships" xmlns:mc="http://schemas.openxmlformats.org/markup-compatibility/2006" xmlns:mv="urn:schemas-microsoft-com:mac:vml" xmlns:p="http://schemas.openxmlformats.org/presentationml/2006/main" xmlns:c="http://schemas.openxmlformats.org/drawingml/2006/chart" xmlns:dgm="http://schemas.openxmlformats.org/drawingml/2006/diagram" xmlns:o="urn:schemas-microsoft-com:office:office" xmlns:v="urn:schemas-microsoft-com:vml" xmlns:pvml="urn:schemas-microsoft-com:office:powerpoint" xmlns:com="http://schemas.openxmlformats.org/drawingml/2006/compatibility" xmlns:p14="http://schemas.microsoft.com/office/powerpoint/2010/main" xmlns:p15="http://schemas.microsoft.com/office/powerpoint/2012/main" xmlns:ahyp="http://schemas.microsoft.com/office/drawing/2018/hyperlinkcolor">
+  <p:cSld>
+    <p:spTree>
+      <p:nvGrpSpPr>
+        <p:cNvPr id="198" name="Shape 198"/>
+        <p:cNvGrpSpPr/>
+        <p:nvPr/>
+      </p:nvGrpSpPr>
+      <p:grpSpPr>
+        <a:xfrm>
+          <a:off x="0" y="0"/>
+          <a:ext cx="0" cy="0"/>
+          <a:chOff x="0" y="0"/>
+          <a:chExt cx="0" cy="0"/>
+        </a:xfrm>
+      </p:grpSpPr>
+      <p:sp>
+        <p:nvSpPr>
+          <p:cNvPr id="199" name="Google Shape;199;p29"/>
+          <p:cNvSpPr txBox="1"/>
+          <p:nvPr>
+            <p:ph type="title"/>
+          </p:nvPr>
+        </p:nvSpPr>
+        <p:spPr>
+          <a:xfrm>
+            <a:off x="311700" y="445025"/>
+            <a:ext cx="8520600" cy="572700"/>
+          </a:xfrm>
+          <a:prstGeom prst="rect">
+            <a:avLst/>
+          </a:prstGeom>
+        </p:spPr>
+        <p:txBody>
+          <a:bodyPr anchorCtr="0" anchor="t" bIns="91425" lIns="91425" spcFirstLastPara="1" rIns="91425" wrap="square" tIns="91425">
+            <a:normAutofit fontScale="90000"/>
+          </a:bodyPr>
+          <a:lstStyle/>
+          <a:p>
+            <a:pPr indent="0" lvl="0" marL="0" rtl="0" algn="l">
+              <a:spcBef>
+                <a:spcPts val="0"/>
+              </a:spcBef>
+              <a:spcAft>
+                <a:spcPts val="0"/>
+              </a:spcAft>
+              <a:buNone/>
+            </a:pPr>
+            <a:r>
+              <a:rPr lang="en"/>
+              <a:t>The overall model</a:t>
+            </a:r>
+            <a:endParaRPr/>
+          </a:p>
+        </p:txBody>
+      </p:sp>
+      <p:pic>
+        <p:nvPicPr>
+          <p:cNvPr id="200" name="Google Shape;200;p29"/>
+          <p:cNvPicPr preferRelativeResize="0"/>
+          <p:nvPr/>
+        </p:nvPicPr>
+        <p:blipFill>
+          <a:blip r:embed="rId3">
+            <a:alphaModFix/>
+          </a:blip>
+          <a:stretch>
+            <a:fillRect/>
+          </a:stretch>
+        </p:blipFill>
+        <p:spPr>
+          <a:xfrm>
+            <a:off x="1802538" y="1129050"/>
+            <a:ext cx="5538933" cy="3820975"/>
+          </a:xfrm>
+          <a:prstGeom prst="rect">
+            <a:avLst/>
+          </a:prstGeom>
+          <a:noFill/>
+          <a:ln>
+            <a:noFill/>
+          </a:ln>
+        </p:spPr>
+      </p:pic>
+    </p:spTree>
+  </p:cSld>
+  <p:clrMapOvr>
+    <a:masterClrMapping/>
+  </p:clrMapOvr>
+</p:sld>
+</file>
+
+<file path=ppt/slides/slide18.xml><?xml version="1.0" encoding="utf-8"?>
+<p:sld xmlns:a="http://schemas.openxmlformats.org/drawingml/2006/main" xmlns:r="http://schemas.openxmlformats.org/officeDocument/2006/relationships" xmlns:mc="http://schemas.openxmlformats.org/markup-compatibility/2006" xmlns:mv="urn:schemas-microsoft-com:mac:vml" xmlns:p="http://schemas.openxmlformats.org/presentationml/2006/main" xmlns:c="http://schemas.openxmlformats.org/drawingml/2006/chart" xmlns:dgm="http://schemas.openxmlformats.org/drawingml/2006/diagram" xmlns:o="urn:schemas-microsoft-com:office:office" xmlns:v="urn:schemas-microsoft-com:vml" xmlns:pvml="urn:schemas-microsoft-com:office:powerpoint" xmlns:com="http://schemas.openxmlformats.org/drawingml/2006/compatibility" xmlns:p14="http://schemas.microsoft.com/office/powerpoint/2010/main" xmlns:p15="http://schemas.microsoft.com/office/powerpoint/2012/main" xmlns:ahyp="http://schemas.microsoft.com/office/drawing/2018/hyperlinkcolor">
+  <p:cSld>
+    <p:spTree>
+      <p:nvGrpSpPr>
+        <p:cNvPr id="204" name="Shape 204"/>
+        <p:cNvGrpSpPr/>
+        <p:nvPr/>
+      </p:nvGrpSpPr>
+      <p:grpSpPr>
+        <a:xfrm>
+          <a:off x="0" y="0"/>
+          <a:ext cx="0" cy="0"/>
+          <a:chOff x="0" y="0"/>
+          <a:chExt cx="0" cy="0"/>
+        </a:xfrm>
+      </p:grpSpPr>
+      <p:sp>
+        <p:nvSpPr>
+          <p:cNvPr id="205" name="Google Shape;205;p30"/>
+          <p:cNvSpPr txBox="1"/>
+          <p:nvPr>
+            <p:ph type="title"/>
+          </p:nvPr>
+        </p:nvSpPr>
+        <p:spPr>
+          <a:xfrm>
+            <a:off x="311700" y="445025"/>
+            <a:ext cx="8520600" cy="572700"/>
+          </a:xfrm>
+          <a:prstGeom prst="rect">
+            <a:avLst/>
+          </a:prstGeom>
+        </p:spPr>
+        <p:txBody>
+          <a:bodyPr anchorCtr="0" anchor="t" bIns="91425" lIns="91425" spcFirstLastPara="1" rIns="91425" wrap="square" tIns="91425">
+            <a:normAutofit fontScale="90000"/>
+          </a:bodyPr>
+          <a:lstStyle/>
+          <a:p>
+            <a:pPr indent="0" lvl="0" marL="0" rtl="0" algn="l">
+              <a:spcBef>
+                <a:spcPts val="0"/>
+              </a:spcBef>
+              <a:spcAft>
+                <a:spcPts val="0"/>
+              </a:spcAft>
+              <a:buNone/>
+            </a:pPr>
+            <a:r>
+              <a:rPr lang="en"/>
+              <a:t>Code / Implementation</a:t>
+            </a:r>
+            <a:endParaRPr/>
+          </a:p>
+        </p:txBody>
+      </p:sp>
+      <p:sp>
+        <p:nvSpPr>
+          <p:cNvPr id="206" name="Google Shape;206;p30"/>
           <p:cNvSpPr txBox="1"/>
           <p:nvPr>
             <p:ph idx="1" type="body"/>
@@ -10720,7 +11371,7 @@
       </p:sp>
       <p:pic>
         <p:nvPicPr>
-          <p:cNvPr id="189" name="Google Shape;189;p27"/>
+          <p:cNvPr id="207" name="Google Shape;207;p30"/>
           <p:cNvPicPr preferRelativeResize="0"/>
           <p:nvPr/>
         </p:nvPicPr>
@@ -10754,12 +11405,12 @@
 </p:sld>
 </file>
 
-<file path=ppt/slides/slide16.xml><?xml version="1.0" encoding="utf-8"?>
+<file path=ppt/slides/slide19.xml><?xml version="1.0" encoding="utf-8"?>
 <p:sld xmlns:a="http://schemas.openxmlformats.org/drawingml/2006/main" xmlns:r="http://schemas.openxmlformats.org/officeDocument/2006/relationships" xmlns:mc="http://schemas.openxmlformats.org/markup-compatibility/2006" xmlns:mv="urn:schemas-microsoft-com:mac:vml" xmlns:p="http://schemas.openxmlformats.org/presentationml/2006/main" xmlns:c="http://schemas.openxmlformats.org/drawingml/2006/chart" xmlns:dgm="http://schemas.openxmlformats.org/drawingml/2006/diagram" xmlns:o="urn:schemas-microsoft-com:office:office" xmlns:v="urn:schemas-microsoft-com:vml" xmlns:pvml="urn:schemas-microsoft-com:office:powerpoint" xmlns:com="http://schemas.openxmlformats.org/drawingml/2006/compatibility" xmlns:p14="http://schemas.microsoft.com/office/powerpoint/2010/main" xmlns:p15="http://schemas.microsoft.com/office/powerpoint/2012/main" xmlns:ahyp="http://schemas.microsoft.com/office/drawing/2018/hyperlinkcolor">
   <p:cSld>
     <p:spTree>
       <p:nvGrpSpPr>
-        <p:cNvPr id="193" name="Shape 193"/>
+        <p:cNvPr id="211" name="Shape 211"/>
         <p:cNvGrpSpPr/>
         <p:nvPr/>
       </p:nvGrpSpPr>
@@ -10773,7 +11424,7 @@
       </p:grpSpPr>
       <p:sp>
         <p:nvSpPr>
-          <p:cNvPr id="194" name="Google Shape;194;p28"/>
+          <p:cNvPr id="212" name="Google Shape;212;p31"/>
           <p:cNvSpPr txBox="1"/>
           <p:nvPr>
             <p:ph type="title"/>
@@ -10813,7 +11464,7 @@
       </p:sp>
       <p:pic>
         <p:nvPicPr>
-          <p:cNvPr id="195" name="Google Shape;195;p28"/>
+          <p:cNvPr id="213" name="Google Shape;213;p31"/>
           <p:cNvPicPr preferRelativeResize="0"/>
           <p:nvPr/>
         </p:nvPicPr>
@@ -10839,414 +11490,6 @@
           </a:ln>
         </p:spPr>
       </p:pic>
-    </p:spTree>
-  </p:cSld>
-  <p:clrMapOvr>
-    <a:masterClrMapping/>
-  </p:clrMapOvr>
-</p:sld>
-</file>
-
-<file path=ppt/slides/slide17.xml><?xml version="1.0" encoding="utf-8"?>
-<p:sld xmlns:a="http://schemas.openxmlformats.org/drawingml/2006/main" xmlns:r="http://schemas.openxmlformats.org/officeDocument/2006/relationships" xmlns:mc="http://schemas.openxmlformats.org/markup-compatibility/2006" xmlns:mv="urn:schemas-microsoft-com:mac:vml" xmlns:p="http://schemas.openxmlformats.org/presentationml/2006/main" xmlns:c="http://schemas.openxmlformats.org/drawingml/2006/chart" xmlns:dgm="http://schemas.openxmlformats.org/drawingml/2006/diagram" xmlns:o="urn:schemas-microsoft-com:office:office" xmlns:v="urn:schemas-microsoft-com:vml" xmlns:pvml="urn:schemas-microsoft-com:office:powerpoint" xmlns:com="http://schemas.openxmlformats.org/drawingml/2006/compatibility" xmlns:p14="http://schemas.microsoft.com/office/powerpoint/2010/main" xmlns:p15="http://schemas.microsoft.com/office/powerpoint/2012/main" xmlns:ahyp="http://schemas.microsoft.com/office/drawing/2018/hyperlinkcolor">
-  <p:cSld>
-    <p:spTree>
-      <p:nvGrpSpPr>
-        <p:cNvPr id="199" name="Shape 199"/>
-        <p:cNvGrpSpPr/>
-        <p:nvPr/>
-      </p:nvGrpSpPr>
-      <p:grpSpPr>
-        <a:xfrm>
-          <a:off x="0" y="0"/>
-          <a:ext cx="0" cy="0"/>
-          <a:chOff x="0" y="0"/>
-          <a:chExt cx="0" cy="0"/>
-        </a:xfrm>
-      </p:grpSpPr>
-      <p:sp>
-        <p:nvSpPr>
-          <p:cNvPr id="200" name="Google Shape;200;p29"/>
-          <p:cNvSpPr txBox="1"/>
-          <p:nvPr>
-            <p:ph type="title"/>
-          </p:nvPr>
-        </p:nvSpPr>
-        <p:spPr>
-          <a:xfrm>
-            <a:off x="311700" y="445025"/>
-            <a:ext cx="8520600" cy="572700"/>
-          </a:xfrm>
-          <a:prstGeom prst="rect">
-            <a:avLst/>
-          </a:prstGeom>
-        </p:spPr>
-        <p:txBody>
-          <a:bodyPr anchorCtr="0" anchor="t" bIns="91425" lIns="91425" spcFirstLastPara="1" rIns="91425" wrap="square" tIns="91425">
-            <a:normAutofit fontScale="90000"/>
-          </a:bodyPr>
-          <a:lstStyle/>
-          <a:p>
-            <a:pPr indent="0" lvl="0" marL="0" rtl="0" algn="l">
-              <a:spcBef>
-                <a:spcPts val="0"/>
-              </a:spcBef>
-              <a:spcAft>
-                <a:spcPts val="0"/>
-              </a:spcAft>
-              <a:buNone/>
-            </a:pPr>
-            <a:r>
-              <a:rPr lang="en"/>
-              <a:t>Improvements Suggested</a:t>
-            </a:r>
-            <a:endParaRPr/>
-          </a:p>
-        </p:txBody>
-      </p:sp>
-      <p:sp>
-        <p:nvSpPr>
-          <p:cNvPr id="201" name="Google Shape;201;p29"/>
-          <p:cNvSpPr txBox="1"/>
-          <p:nvPr>
-            <p:ph idx="1" type="body"/>
-          </p:nvPr>
-        </p:nvSpPr>
-        <p:spPr>
-          <a:xfrm>
-            <a:off x="311700" y="1152475"/>
-            <a:ext cx="8520600" cy="3416400"/>
-          </a:xfrm>
-          <a:prstGeom prst="rect">
-            <a:avLst/>
-          </a:prstGeom>
-        </p:spPr>
-        <p:txBody>
-          <a:bodyPr anchorCtr="0" anchor="t" bIns="91425" lIns="91425" spcFirstLastPara="1" rIns="91425" wrap="square" tIns="91425">
-            <a:normAutofit fontScale="85000" lnSpcReduction="20000"/>
-          </a:bodyPr>
-          <a:lstStyle/>
-          <a:p>
-            <a:pPr indent="-325755" lvl="0" marL="457200" rtl="0" algn="l">
-              <a:spcBef>
-                <a:spcPts val="0"/>
-              </a:spcBef>
-              <a:spcAft>
-                <a:spcPts val="0"/>
-              </a:spcAft>
-              <a:buSzPct val="100000"/>
-              <a:buChar char="-"/>
-            </a:pPr>
-            <a:r>
-              <a:rPr lang="en"/>
-              <a:t>Using publicly available </a:t>
-            </a:r>
-            <a:r>
-              <a:rPr lang="en"/>
-              <a:t>mammogram</a:t>
-            </a:r>
-            <a:r>
-              <a:rPr lang="en"/>
-              <a:t> datasets to further enhance the model as the Kaggle contest dataset is set to be biased yielding poor results</a:t>
-            </a:r>
-            <a:endParaRPr/>
-          </a:p>
-          <a:p>
-            <a:pPr indent="-325755" lvl="0" marL="457200" rtl="0" algn="l">
-              <a:spcBef>
-                <a:spcPts val="0"/>
-              </a:spcBef>
-              <a:spcAft>
-                <a:spcPts val="0"/>
-              </a:spcAft>
-              <a:buSzPct val="100000"/>
-              <a:buChar char="-"/>
-            </a:pPr>
-            <a:r>
-              <a:rPr lang="en"/>
-              <a:t>Combining machine_id along with the patient_id as this could result in some significant information gain</a:t>
-            </a:r>
-            <a:endParaRPr/>
-          </a:p>
-          <a:p>
-            <a:pPr indent="-325755" lvl="0" marL="457200" rtl="0" algn="l">
-              <a:spcBef>
-                <a:spcPts val="0"/>
-              </a:spcBef>
-              <a:spcAft>
-                <a:spcPts val="0"/>
-              </a:spcAft>
-              <a:buSzPct val="100000"/>
-              <a:buChar char="-"/>
-            </a:pPr>
-            <a:r>
-              <a:rPr lang="en"/>
-              <a:t>Experimenting with unsupervised learning, and transfer learning approaches</a:t>
-            </a:r>
-            <a:endParaRPr/>
-          </a:p>
-          <a:p>
-            <a:pPr indent="-325755" lvl="0" marL="457200" rtl="0" algn="l">
-              <a:spcBef>
-                <a:spcPts val="0"/>
-              </a:spcBef>
-              <a:spcAft>
-                <a:spcPts val="0"/>
-              </a:spcAft>
-              <a:buSzPct val="100000"/>
-              <a:buChar char="-"/>
-            </a:pPr>
-            <a:r>
-              <a:rPr lang="en"/>
-              <a:t>Making separate models for MLO and CC scans, and later combining the results obtained from both the models to get the final prediction</a:t>
-            </a:r>
-            <a:endParaRPr/>
-          </a:p>
-          <a:p>
-            <a:pPr indent="0" lvl="0" marL="0" rtl="0" algn="l">
-              <a:spcBef>
-                <a:spcPts val="1200"/>
-              </a:spcBef>
-              <a:spcAft>
-                <a:spcPts val="0"/>
-              </a:spcAft>
-              <a:buNone/>
-            </a:pPr>
-            <a:r>
-              <a:t/>
-            </a:r>
-            <a:endParaRPr/>
-          </a:p>
-          <a:p>
-            <a:pPr indent="0" lvl="0" marL="0" rtl="0" algn="l">
-              <a:spcBef>
-                <a:spcPts val="1200"/>
-              </a:spcBef>
-              <a:spcAft>
-                <a:spcPts val="0"/>
-              </a:spcAft>
-              <a:buNone/>
-            </a:pPr>
-            <a:r>
-              <a:t/>
-            </a:r>
-            <a:endParaRPr/>
-          </a:p>
-          <a:p>
-            <a:pPr indent="0" lvl="0" marL="0" rtl="0" algn="l">
-              <a:spcBef>
-                <a:spcPts val="1200"/>
-              </a:spcBef>
-              <a:spcAft>
-                <a:spcPts val="0"/>
-              </a:spcAft>
-              <a:buNone/>
-            </a:pPr>
-            <a:r>
-              <a:t/>
-            </a:r>
-            <a:endParaRPr/>
-          </a:p>
-          <a:p>
-            <a:pPr indent="0" lvl="0" marL="0" rtl="0" algn="l">
-              <a:spcBef>
-                <a:spcPts val="1200"/>
-              </a:spcBef>
-              <a:spcAft>
-                <a:spcPts val="1200"/>
-              </a:spcAft>
-              <a:buNone/>
-            </a:pPr>
-            <a:r>
-              <a:t/>
-            </a:r>
-            <a:endParaRPr/>
-          </a:p>
-        </p:txBody>
-      </p:sp>
-    </p:spTree>
-  </p:cSld>
-  <p:clrMapOvr>
-    <a:masterClrMapping/>
-  </p:clrMapOvr>
-</p:sld>
-</file>
-
-<file path=ppt/slides/slide18.xml><?xml version="1.0" encoding="utf-8"?>
-<p:sld xmlns:a="http://schemas.openxmlformats.org/drawingml/2006/main" xmlns:r="http://schemas.openxmlformats.org/officeDocument/2006/relationships" xmlns:mc="http://schemas.openxmlformats.org/markup-compatibility/2006" xmlns:mv="urn:schemas-microsoft-com:mac:vml" xmlns:p="http://schemas.openxmlformats.org/presentationml/2006/main" xmlns:c="http://schemas.openxmlformats.org/drawingml/2006/chart" xmlns:dgm="http://schemas.openxmlformats.org/drawingml/2006/diagram" xmlns:o="urn:schemas-microsoft-com:office:office" xmlns:v="urn:schemas-microsoft-com:vml" xmlns:pvml="urn:schemas-microsoft-com:office:powerpoint" xmlns:com="http://schemas.openxmlformats.org/drawingml/2006/compatibility" xmlns:p14="http://schemas.microsoft.com/office/powerpoint/2010/main" xmlns:p15="http://schemas.microsoft.com/office/powerpoint/2012/main" xmlns:ahyp="http://schemas.microsoft.com/office/drawing/2018/hyperlinkcolor">
-  <p:cSld>
-    <p:spTree>
-      <p:nvGrpSpPr>
-        <p:cNvPr id="205" name="Shape 205"/>
-        <p:cNvGrpSpPr/>
-        <p:nvPr/>
-      </p:nvGrpSpPr>
-      <p:grpSpPr>
-        <a:xfrm>
-          <a:off x="0" y="0"/>
-          <a:ext cx="0" cy="0"/>
-          <a:chOff x="0" y="0"/>
-          <a:chExt cx="0" cy="0"/>
-        </a:xfrm>
-      </p:grpSpPr>
-      <p:sp>
-        <p:nvSpPr>
-          <p:cNvPr id="206" name="Google Shape;206;p30"/>
-          <p:cNvSpPr txBox="1"/>
-          <p:nvPr>
-            <p:ph type="title"/>
-          </p:nvPr>
-        </p:nvSpPr>
-        <p:spPr>
-          <a:xfrm>
-            <a:off x="311700" y="445025"/>
-            <a:ext cx="8520600" cy="572700"/>
-          </a:xfrm>
-          <a:prstGeom prst="rect">
-            <a:avLst/>
-          </a:prstGeom>
-        </p:spPr>
-        <p:txBody>
-          <a:bodyPr anchorCtr="0" anchor="t" bIns="91425" lIns="91425" spcFirstLastPara="1" rIns="91425" wrap="square" tIns="91425">
-            <a:normAutofit fontScale="90000"/>
-          </a:bodyPr>
-          <a:lstStyle/>
-          <a:p>
-            <a:pPr indent="0" lvl="0" marL="0" rtl="0" algn="l">
-              <a:spcBef>
-                <a:spcPts val="0"/>
-              </a:spcBef>
-              <a:spcAft>
-                <a:spcPts val="0"/>
-              </a:spcAft>
-              <a:buNone/>
-            </a:pPr>
-            <a:r>
-              <a:rPr lang="en"/>
-              <a:t>Other Options Considered</a:t>
-            </a:r>
-            <a:endParaRPr/>
-          </a:p>
-        </p:txBody>
-      </p:sp>
-      <p:sp>
-        <p:nvSpPr>
-          <p:cNvPr id="207" name="Google Shape;207;p30"/>
-          <p:cNvSpPr txBox="1"/>
-          <p:nvPr>
-            <p:ph idx="1" type="body"/>
-          </p:nvPr>
-        </p:nvSpPr>
-        <p:spPr>
-          <a:xfrm>
-            <a:off x="311700" y="1152475"/>
-            <a:ext cx="8520600" cy="3416400"/>
-          </a:xfrm>
-          <a:prstGeom prst="rect">
-            <a:avLst/>
-          </a:prstGeom>
-        </p:spPr>
-        <p:txBody>
-          <a:bodyPr anchorCtr="0" anchor="t" bIns="91425" lIns="91425" spcFirstLastPara="1" rIns="91425" wrap="square" tIns="91425">
-            <a:normAutofit fontScale="77500" lnSpcReduction="20000"/>
-          </a:bodyPr>
-          <a:lstStyle/>
-          <a:p>
-            <a:pPr indent="0" lvl="0" marL="0" rtl="0" algn="l">
-              <a:spcBef>
-                <a:spcPts val="0"/>
-              </a:spcBef>
-              <a:spcAft>
-                <a:spcPts val="0"/>
-              </a:spcAft>
-              <a:buNone/>
-            </a:pPr>
-            <a:r>
-              <a:rPr lang="en"/>
-              <a:t>As per our initial idea, we wanted to pursue on utilizing unsupervised learning which could extract features from the mammogram images, and use this to determine the presence or absence of breast cancer. The following research article gave us an insight on how this can be achieved, but we were unable to proceed further due to knowledge gap: </a:t>
-            </a:r>
-            <a:endParaRPr/>
-          </a:p>
-          <a:p>
-            <a:pPr indent="0" lvl="0" marL="0" rtl="0" algn="l">
-              <a:spcBef>
-                <a:spcPts val="1200"/>
-              </a:spcBef>
-              <a:spcAft>
-                <a:spcPts val="0"/>
-              </a:spcAft>
-              <a:buNone/>
-            </a:pPr>
-            <a:r>
-              <a:rPr lang="en">
-                <a:solidFill>
-                  <a:srgbClr val="0E65F0"/>
-                </a:solidFill>
-                <a:latin typeface="Times New Roman"/>
-                <a:ea typeface="Times New Roman"/>
-                <a:cs typeface="Times New Roman"/>
-                <a:sym typeface="Times New Roman"/>
-              </a:rPr>
-              <a:t>“Kallenberg, M., Petersen, K., Nielsen, M., Ng, A. Y., Diao, P., Igel, C., ... &amp; Lillholm, M. (2016). Unsupervised deep learning applied to breast density segmentation and mammographic risk scoring. IEEE transactions on medical imaging, 35(5), 1322-1331.”</a:t>
-            </a:r>
-            <a:endParaRPr>
-              <a:solidFill>
-                <a:srgbClr val="0E65F0"/>
-              </a:solidFill>
-              <a:latin typeface="Times New Roman"/>
-              <a:ea typeface="Times New Roman"/>
-              <a:cs typeface="Times New Roman"/>
-              <a:sym typeface="Times New Roman"/>
-            </a:endParaRPr>
-          </a:p>
-          <a:p>
-            <a:pPr indent="0" lvl="0" marL="0" rtl="0" algn="l">
-              <a:spcBef>
-                <a:spcPts val="1200"/>
-              </a:spcBef>
-              <a:spcAft>
-                <a:spcPts val="0"/>
-              </a:spcAft>
-              <a:buNone/>
-            </a:pPr>
-            <a:r>
-              <a:rPr lang="en"/>
-              <a:t>Their approach consisted of generating multiscale image patches as input data, processing them through a multilayer convolutional architecture, and learning the representation parameters using a sparse autoencoder with a novel sparsity regularizer.</a:t>
-            </a:r>
-            <a:endParaRPr/>
-          </a:p>
-          <a:p>
-            <a:pPr indent="0" lvl="0" marL="0" rtl="0" algn="l">
-              <a:spcBef>
-                <a:spcPts val="1200"/>
-              </a:spcBef>
-              <a:spcAft>
-                <a:spcPts val="0"/>
-              </a:spcAft>
-              <a:buNone/>
-            </a:pPr>
-            <a:r>
-              <a:t/>
-            </a:r>
-            <a:endParaRPr/>
-          </a:p>
-          <a:p>
-            <a:pPr indent="0" lvl="0" marL="0" rtl="0" algn="l">
-              <a:spcBef>
-                <a:spcPts val="1200"/>
-              </a:spcBef>
-              <a:spcAft>
-                <a:spcPts val="1200"/>
-              </a:spcAft>
-              <a:buNone/>
-            </a:pPr>
-            <a:r>
-              <a:t/>
-            </a:r>
-            <a:endParaRPr/>
-          </a:p>
-        </p:txBody>
-      </p:sp>
     </p:spTree>
   </p:cSld>
   <p:clrMapOvr>
@@ -11367,6 +11610,414 @@
             <a:r>
               <a:rPr lang="en"/>
               <a:t>The goal of this challenge is to accurately identify instances of breast cancer by training a model with mammograms obtained from routine screenings. By improving the automation of mammogram analysis, we can help radiologists increase their accuracy and efficiency, leading to improved patient care that is both safe and of high quality. Additionally, this may result in reduced costs and fewer unnecessary medical procedures</a:t>
+            </a:r>
+            <a:endParaRPr/>
+          </a:p>
+          <a:p>
+            <a:pPr indent="0" lvl="0" marL="0" rtl="0" algn="l">
+              <a:spcBef>
+                <a:spcPts val="1200"/>
+              </a:spcBef>
+              <a:spcAft>
+                <a:spcPts val="1200"/>
+              </a:spcAft>
+              <a:buNone/>
+            </a:pPr>
+            <a:r>
+              <a:t/>
+            </a:r>
+            <a:endParaRPr/>
+          </a:p>
+        </p:txBody>
+      </p:sp>
+    </p:spTree>
+  </p:cSld>
+  <p:clrMapOvr>
+    <a:masterClrMapping/>
+  </p:clrMapOvr>
+</p:sld>
+</file>
+
+<file path=ppt/slides/slide20.xml><?xml version="1.0" encoding="utf-8"?>
+<p:sld xmlns:a="http://schemas.openxmlformats.org/drawingml/2006/main" xmlns:r="http://schemas.openxmlformats.org/officeDocument/2006/relationships" xmlns:mc="http://schemas.openxmlformats.org/markup-compatibility/2006" xmlns:mv="urn:schemas-microsoft-com:mac:vml" xmlns:p="http://schemas.openxmlformats.org/presentationml/2006/main" xmlns:c="http://schemas.openxmlformats.org/drawingml/2006/chart" xmlns:dgm="http://schemas.openxmlformats.org/drawingml/2006/diagram" xmlns:o="urn:schemas-microsoft-com:office:office" xmlns:v="urn:schemas-microsoft-com:vml" xmlns:pvml="urn:schemas-microsoft-com:office:powerpoint" xmlns:com="http://schemas.openxmlformats.org/drawingml/2006/compatibility" xmlns:p14="http://schemas.microsoft.com/office/powerpoint/2010/main" xmlns:p15="http://schemas.microsoft.com/office/powerpoint/2012/main" xmlns:ahyp="http://schemas.microsoft.com/office/drawing/2018/hyperlinkcolor">
+  <p:cSld>
+    <p:spTree>
+      <p:nvGrpSpPr>
+        <p:cNvPr id="217" name="Shape 217"/>
+        <p:cNvGrpSpPr/>
+        <p:nvPr/>
+      </p:nvGrpSpPr>
+      <p:grpSpPr>
+        <a:xfrm>
+          <a:off x="0" y="0"/>
+          <a:ext cx="0" cy="0"/>
+          <a:chOff x="0" y="0"/>
+          <a:chExt cx="0" cy="0"/>
+        </a:xfrm>
+      </p:grpSpPr>
+      <p:sp>
+        <p:nvSpPr>
+          <p:cNvPr id="218" name="Google Shape;218;p32"/>
+          <p:cNvSpPr txBox="1"/>
+          <p:nvPr>
+            <p:ph type="title"/>
+          </p:nvPr>
+        </p:nvSpPr>
+        <p:spPr>
+          <a:xfrm>
+            <a:off x="311700" y="445025"/>
+            <a:ext cx="8520600" cy="572700"/>
+          </a:xfrm>
+          <a:prstGeom prst="rect">
+            <a:avLst/>
+          </a:prstGeom>
+        </p:spPr>
+        <p:txBody>
+          <a:bodyPr anchorCtr="0" anchor="t" bIns="91425" lIns="91425" spcFirstLastPara="1" rIns="91425" wrap="square" tIns="91425">
+            <a:normAutofit fontScale="90000"/>
+          </a:bodyPr>
+          <a:lstStyle/>
+          <a:p>
+            <a:pPr indent="0" lvl="0" marL="0" rtl="0" algn="l">
+              <a:spcBef>
+                <a:spcPts val="0"/>
+              </a:spcBef>
+              <a:spcAft>
+                <a:spcPts val="0"/>
+              </a:spcAft>
+              <a:buNone/>
+            </a:pPr>
+            <a:r>
+              <a:rPr lang="en"/>
+              <a:t>Improvements Suggested</a:t>
+            </a:r>
+            <a:endParaRPr/>
+          </a:p>
+        </p:txBody>
+      </p:sp>
+      <p:sp>
+        <p:nvSpPr>
+          <p:cNvPr id="219" name="Google Shape;219;p32"/>
+          <p:cNvSpPr txBox="1"/>
+          <p:nvPr>
+            <p:ph idx="1" type="body"/>
+          </p:nvPr>
+        </p:nvSpPr>
+        <p:spPr>
+          <a:xfrm>
+            <a:off x="311700" y="1152475"/>
+            <a:ext cx="8520600" cy="3416400"/>
+          </a:xfrm>
+          <a:prstGeom prst="rect">
+            <a:avLst/>
+          </a:prstGeom>
+        </p:spPr>
+        <p:txBody>
+          <a:bodyPr anchorCtr="0" anchor="t" bIns="91425" lIns="91425" spcFirstLastPara="1" rIns="91425" wrap="square" tIns="91425">
+            <a:normAutofit fontScale="85000" lnSpcReduction="20000"/>
+          </a:bodyPr>
+          <a:lstStyle/>
+          <a:p>
+            <a:pPr indent="-325755" lvl="0" marL="457200" rtl="0" algn="l">
+              <a:spcBef>
+                <a:spcPts val="0"/>
+              </a:spcBef>
+              <a:spcAft>
+                <a:spcPts val="0"/>
+              </a:spcAft>
+              <a:buSzPct val="100000"/>
+              <a:buChar char="-"/>
+            </a:pPr>
+            <a:r>
+              <a:rPr lang="en"/>
+              <a:t>Using publicly available </a:t>
+            </a:r>
+            <a:r>
+              <a:rPr lang="en"/>
+              <a:t>mammogram</a:t>
+            </a:r>
+            <a:r>
+              <a:rPr lang="en"/>
+              <a:t> datasets to further enhance the model as the Kaggle contest dataset is set to be biased yielding poor results</a:t>
+            </a:r>
+            <a:endParaRPr/>
+          </a:p>
+          <a:p>
+            <a:pPr indent="-325755" lvl="0" marL="457200" rtl="0" algn="l">
+              <a:spcBef>
+                <a:spcPts val="0"/>
+              </a:spcBef>
+              <a:spcAft>
+                <a:spcPts val="0"/>
+              </a:spcAft>
+              <a:buSzPct val="100000"/>
+              <a:buChar char="-"/>
+            </a:pPr>
+            <a:r>
+              <a:rPr lang="en"/>
+              <a:t>Combining machine_id along with the patient_id as this could result in some significant information gain</a:t>
+            </a:r>
+            <a:endParaRPr/>
+          </a:p>
+          <a:p>
+            <a:pPr indent="-325755" lvl="0" marL="457200" rtl="0" algn="l">
+              <a:spcBef>
+                <a:spcPts val="0"/>
+              </a:spcBef>
+              <a:spcAft>
+                <a:spcPts val="0"/>
+              </a:spcAft>
+              <a:buSzPct val="100000"/>
+              <a:buChar char="-"/>
+            </a:pPr>
+            <a:r>
+              <a:rPr lang="en"/>
+              <a:t>Experimenting with unsupervised learning, and transfer learning approaches</a:t>
+            </a:r>
+            <a:endParaRPr/>
+          </a:p>
+          <a:p>
+            <a:pPr indent="-325755" lvl="0" marL="457200" rtl="0" algn="l">
+              <a:spcBef>
+                <a:spcPts val="0"/>
+              </a:spcBef>
+              <a:spcAft>
+                <a:spcPts val="0"/>
+              </a:spcAft>
+              <a:buSzPct val="100000"/>
+              <a:buChar char="-"/>
+            </a:pPr>
+            <a:r>
+              <a:rPr lang="en"/>
+              <a:t>Making separate models for MLO and CC scans, and later combining the results obtained from both the models to get the final prediction</a:t>
+            </a:r>
+            <a:endParaRPr/>
+          </a:p>
+          <a:p>
+            <a:pPr indent="0" lvl="0" marL="0" rtl="0" algn="l">
+              <a:spcBef>
+                <a:spcPts val="1200"/>
+              </a:spcBef>
+              <a:spcAft>
+                <a:spcPts val="0"/>
+              </a:spcAft>
+              <a:buNone/>
+            </a:pPr>
+            <a:r>
+              <a:t/>
+            </a:r>
+            <a:endParaRPr/>
+          </a:p>
+          <a:p>
+            <a:pPr indent="0" lvl="0" marL="0" rtl="0" algn="l">
+              <a:spcBef>
+                <a:spcPts val="1200"/>
+              </a:spcBef>
+              <a:spcAft>
+                <a:spcPts val="0"/>
+              </a:spcAft>
+              <a:buNone/>
+            </a:pPr>
+            <a:r>
+              <a:t/>
+            </a:r>
+            <a:endParaRPr/>
+          </a:p>
+          <a:p>
+            <a:pPr indent="0" lvl="0" marL="0" rtl="0" algn="l">
+              <a:spcBef>
+                <a:spcPts val="1200"/>
+              </a:spcBef>
+              <a:spcAft>
+                <a:spcPts val="0"/>
+              </a:spcAft>
+              <a:buNone/>
+            </a:pPr>
+            <a:r>
+              <a:t/>
+            </a:r>
+            <a:endParaRPr/>
+          </a:p>
+          <a:p>
+            <a:pPr indent="0" lvl="0" marL="0" rtl="0" algn="l">
+              <a:spcBef>
+                <a:spcPts val="1200"/>
+              </a:spcBef>
+              <a:spcAft>
+                <a:spcPts val="1200"/>
+              </a:spcAft>
+              <a:buNone/>
+            </a:pPr>
+            <a:r>
+              <a:t/>
+            </a:r>
+            <a:endParaRPr/>
+          </a:p>
+        </p:txBody>
+      </p:sp>
+    </p:spTree>
+  </p:cSld>
+  <p:clrMapOvr>
+    <a:masterClrMapping/>
+  </p:clrMapOvr>
+</p:sld>
+</file>
+
+<file path=ppt/slides/slide21.xml><?xml version="1.0" encoding="utf-8"?>
+<p:sld xmlns:a="http://schemas.openxmlformats.org/drawingml/2006/main" xmlns:r="http://schemas.openxmlformats.org/officeDocument/2006/relationships" xmlns:mc="http://schemas.openxmlformats.org/markup-compatibility/2006" xmlns:mv="urn:schemas-microsoft-com:mac:vml" xmlns:p="http://schemas.openxmlformats.org/presentationml/2006/main" xmlns:c="http://schemas.openxmlformats.org/drawingml/2006/chart" xmlns:dgm="http://schemas.openxmlformats.org/drawingml/2006/diagram" xmlns:o="urn:schemas-microsoft-com:office:office" xmlns:v="urn:schemas-microsoft-com:vml" xmlns:pvml="urn:schemas-microsoft-com:office:powerpoint" xmlns:com="http://schemas.openxmlformats.org/drawingml/2006/compatibility" xmlns:p14="http://schemas.microsoft.com/office/powerpoint/2010/main" xmlns:p15="http://schemas.microsoft.com/office/powerpoint/2012/main" xmlns:ahyp="http://schemas.microsoft.com/office/drawing/2018/hyperlinkcolor">
+  <p:cSld>
+    <p:spTree>
+      <p:nvGrpSpPr>
+        <p:cNvPr id="223" name="Shape 223"/>
+        <p:cNvGrpSpPr/>
+        <p:nvPr/>
+      </p:nvGrpSpPr>
+      <p:grpSpPr>
+        <a:xfrm>
+          <a:off x="0" y="0"/>
+          <a:ext cx="0" cy="0"/>
+          <a:chOff x="0" y="0"/>
+          <a:chExt cx="0" cy="0"/>
+        </a:xfrm>
+      </p:grpSpPr>
+      <p:sp>
+        <p:nvSpPr>
+          <p:cNvPr id="224" name="Google Shape;224;p33"/>
+          <p:cNvSpPr txBox="1"/>
+          <p:nvPr>
+            <p:ph type="title"/>
+          </p:nvPr>
+        </p:nvSpPr>
+        <p:spPr>
+          <a:xfrm>
+            <a:off x="311700" y="445025"/>
+            <a:ext cx="8520600" cy="572700"/>
+          </a:xfrm>
+          <a:prstGeom prst="rect">
+            <a:avLst/>
+          </a:prstGeom>
+        </p:spPr>
+        <p:txBody>
+          <a:bodyPr anchorCtr="0" anchor="t" bIns="91425" lIns="91425" spcFirstLastPara="1" rIns="91425" wrap="square" tIns="91425">
+            <a:normAutofit fontScale="90000"/>
+          </a:bodyPr>
+          <a:lstStyle/>
+          <a:p>
+            <a:pPr indent="0" lvl="0" marL="0" rtl="0" algn="l">
+              <a:spcBef>
+                <a:spcPts val="0"/>
+              </a:spcBef>
+              <a:spcAft>
+                <a:spcPts val="0"/>
+              </a:spcAft>
+              <a:buNone/>
+            </a:pPr>
+            <a:r>
+              <a:rPr lang="en"/>
+              <a:t>Other Options Considered</a:t>
+            </a:r>
+            <a:endParaRPr/>
+          </a:p>
+        </p:txBody>
+      </p:sp>
+      <p:sp>
+        <p:nvSpPr>
+          <p:cNvPr id="225" name="Google Shape;225;p33"/>
+          <p:cNvSpPr txBox="1"/>
+          <p:nvPr>
+            <p:ph idx="1" type="body"/>
+          </p:nvPr>
+        </p:nvSpPr>
+        <p:spPr>
+          <a:xfrm>
+            <a:off x="311700" y="1152475"/>
+            <a:ext cx="8520600" cy="3416400"/>
+          </a:xfrm>
+          <a:prstGeom prst="rect">
+            <a:avLst/>
+          </a:prstGeom>
+        </p:spPr>
+        <p:txBody>
+          <a:bodyPr anchorCtr="0" anchor="t" bIns="91425" lIns="91425" spcFirstLastPara="1" rIns="91425" wrap="square" tIns="91425">
+            <a:normAutofit fontScale="77500" lnSpcReduction="20000"/>
+          </a:bodyPr>
+          <a:lstStyle/>
+          <a:p>
+            <a:pPr indent="0" lvl="0" marL="0" rtl="0" algn="l">
+              <a:spcBef>
+                <a:spcPts val="0"/>
+              </a:spcBef>
+              <a:spcAft>
+                <a:spcPts val="0"/>
+              </a:spcAft>
+              <a:buNone/>
+            </a:pPr>
+            <a:r>
+              <a:rPr lang="en"/>
+              <a:t>As per our initial idea, we wanted to pursue on utilizing unsupervised learning which could extract features from the mammogram images, and use this to determine the presence or absence of breast cancer. The following research article gave us an insight on how this can be achieved, but we were unable to proceed further due to knowledge gap: </a:t>
+            </a:r>
+            <a:endParaRPr/>
+          </a:p>
+          <a:p>
+            <a:pPr indent="0" lvl="0" marL="0" rtl="0" algn="l">
+              <a:spcBef>
+                <a:spcPts val="1200"/>
+              </a:spcBef>
+              <a:spcAft>
+                <a:spcPts val="0"/>
+              </a:spcAft>
+              <a:buNone/>
+            </a:pPr>
+            <a:r>
+              <a:rPr lang="en">
+                <a:solidFill>
+                  <a:srgbClr val="0E65F0"/>
+                </a:solidFill>
+                <a:latin typeface="Times New Roman"/>
+                <a:ea typeface="Times New Roman"/>
+                <a:cs typeface="Times New Roman"/>
+                <a:sym typeface="Times New Roman"/>
+              </a:rPr>
+              <a:t>“Kallenberg, M., Petersen, K., Nielsen, M., Ng, A. Y., Diao, P., Igel, C., ... &amp; Lillholm, M. (2016). Unsupervised deep learning applied to breast density segmentation and mammographic risk scoring. IEEE transactions on medical imaging, 35(5), 1322-1331.”</a:t>
+            </a:r>
+            <a:endParaRPr>
+              <a:solidFill>
+                <a:srgbClr val="0E65F0"/>
+              </a:solidFill>
+              <a:latin typeface="Times New Roman"/>
+              <a:ea typeface="Times New Roman"/>
+              <a:cs typeface="Times New Roman"/>
+              <a:sym typeface="Times New Roman"/>
+            </a:endParaRPr>
+          </a:p>
+          <a:p>
+            <a:pPr indent="0" lvl="0" marL="0" rtl="0" algn="l">
+              <a:spcBef>
+                <a:spcPts val="1200"/>
+              </a:spcBef>
+              <a:spcAft>
+                <a:spcPts val="0"/>
+              </a:spcAft>
+              <a:buNone/>
+            </a:pPr>
+            <a:r>
+              <a:rPr lang="en"/>
+              <a:t>Their approach consisted of generating multiscale image patches as input data, processing them through a multilayer convolutional architecture, and learning the representation parameters using a sparse autoencoder with a novel sparsity regularizer.</a:t>
+            </a:r>
+            <a:endParaRPr/>
+          </a:p>
+          <a:p>
+            <a:pPr indent="0" lvl="0" marL="0" rtl="0" algn="l">
+              <a:spcBef>
+                <a:spcPts val="1200"/>
+              </a:spcBef>
+              <a:spcAft>
+                <a:spcPts val="0"/>
+              </a:spcAft>
+              <a:buNone/>
+            </a:pPr>
+            <a:r>
+              <a:t/>
             </a:r>
             <a:endParaRPr/>
           </a:p>
@@ -11787,7 +12438,7 @@
             </a:pPr>
             <a:r>
               <a:rPr lang="en"/>
-              <a:t> As we have already observed, only a fraction of the total image contains the mammogram. Due to this, we will be unnecessarily spending a lot of computational power on the parts of images which doesnt provide us with reasonable features for identifying the presence of cancer. Whereas, the possibility that this extra pixels can serve as noise is highly likely. We have overcome this by employing a function called as </a:t>
+              <a:t> As we have already observed, only a fraction of the total image contains the mammogram. Due to this, we will be unnecessarily spending a lot of computational power on the parts of images which doesn’t provide us with reasonable features for identifying the presence of cancer. Whereas, the possibility that this extra pixels can serve as noise is highly likely. We have overcome this by employing a function called as </a:t>
             </a:r>
             <a:r>
               <a:rPr b="1" lang="en"/>
